--- a/Applications.pptx
+++ b/Applications.pptx
@@ -3122,7 +3122,7 @@
       </p:sp>
       <p:pic>
         <p:nvPicPr>
-          <p:cNvPr id="5" name="Content Placeholder 4"/>
+          <p:cNvPr id="4" name="Content Placeholder 3"/>
           <p:cNvPicPr>
             <a:picLocks noGrp="1" noChangeAspect="1"/>
           </p:cNvPicPr>
@@ -3144,8 +3144,8 @@
         </p:blipFill>
         <p:spPr>
           <a:xfrm>
-            <a:off x="248129" y="1905000"/>
-            <a:ext cx="8889608" cy="4191000"/>
+            <a:off x="53202" y="2057400"/>
+            <a:ext cx="9090798" cy="4645223"/>
           </a:xfrm>
         </p:spPr>
       </p:pic>
